--- a/images.pptx
+++ b/images.pptx
@@ -6,6 +6,10 @@
   </p:sldMasterIdLst>
   <p:sldIdLst>
     <p:sldId id="256" r:id="rId2"/>
+    <p:sldId id="259" r:id="rId3"/>
+    <p:sldId id="257" r:id="rId4"/>
+    <p:sldId id="258" r:id="rId5"/>
+    <p:sldId id="260" r:id="rId6"/>
   </p:sldIdLst>
   <p:sldSz cx="12192000" cy="6858000"/>
   <p:notesSz cx="6858000" cy="9144000"/>
@@ -104,6 +108,11 @@
       </a:defRPr>
     </a:lvl9pPr>
   </p:defaultTextStyle>
+  <p:extLst>
+    <p:ext uri="{EFAFB233-063F-42B5-8137-9DF3F51BA10A}">
+      <p15:sldGuideLst xmlns:p15="http://schemas.microsoft.com/office/powerpoint/2012/main"/>
+    </p:ext>
+  </p:extLst>
 </p:presentation>
 </file>
 
@@ -254,7 +263,7 @@
           <a:p>
             <a:fld id="{3D65AF3B-3102-425A-9BA8-EDF31FF50EC2}" type="datetimeFigureOut">
               <a:rPr lang="it-IT" smtClean="0"/>
-              <a:t>16/07/2023</a:t>
+              <a:t>24/09/2023</a:t>
             </a:fld>
             <a:endParaRPr lang="it-IT"/>
           </a:p>
@@ -452,7 +461,7 @@
           <a:p>
             <a:fld id="{3D65AF3B-3102-425A-9BA8-EDF31FF50EC2}" type="datetimeFigureOut">
               <a:rPr lang="it-IT" smtClean="0"/>
-              <a:t>16/07/2023</a:t>
+              <a:t>24/09/2023</a:t>
             </a:fld>
             <a:endParaRPr lang="it-IT"/>
           </a:p>
@@ -660,7 +669,7 @@
           <a:p>
             <a:fld id="{3D65AF3B-3102-425A-9BA8-EDF31FF50EC2}" type="datetimeFigureOut">
               <a:rPr lang="it-IT" smtClean="0"/>
-              <a:t>16/07/2023</a:t>
+              <a:t>24/09/2023</a:t>
             </a:fld>
             <a:endParaRPr lang="it-IT"/>
           </a:p>
@@ -858,7 +867,7 @@
           <a:p>
             <a:fld id="{3D65AF3B-3102-425A-9BA8-EDF31FF50EC2}" type="datetimeFigureOut">
               <a:rPr lang="it-IT" smtClean="0"/>
-              <a:t>16/07/2023</a:t>
+              <a:t>24/09/2023</a:t>
             </a:fld>
             <a:endParaRPr lang="it-IT"/>
           </a:p>
@@ -1133,7 +1142,7 @@
           <a:p>
             <a:fld id="{3D65AF3B-3102-425A-9BA8-EDF31FF50EC2}" type="datetimeFigureOut">
               <a:rPr lang="it-IT" smtClean="0"/>
-              <a:t>16/07/2023</a:t>
+              <a:t>24/09/2023</a:t>
             </a:fld>
             <a:endParaRPr lang="it-IT"/>
           </a:p>
@@ -1398,7 +1407,7 @@
           <a:p>
             <a:fld id="{3D65AF3B-3102-425A-9BA8-EDF31FF50EC2}" type="datetimeFigureOut">
               <a:rPr lang="it-IT" smtClean="0"/>
-              <a:t>16/07/2023</a:t>
+              <a:t>24/09/2023</a:t>
             </a:fld>
             <a:endParaRPr lang="it-IT"/>
           </a:p>
@@ -1810,7 +1819,7 @@
           <a:p>
             <a:fld id="{3D65AF3B-3102-425A-9BA8-EDF31FF50EC2}" type="datetimeFigureOut">
               <a:rPr lang="it-IT" smtClean="0"/>
-              <a:t>16/07/2023</a:t>
+              <a:t>24/09/2023</a:t>
             </a:fld>
             <a:endParaRPr lang="it-IT"/>
           </a:p>
@@ -1951,7 +1960,7 @@
           <a:p>
             <a:fld id="{3D65AF3B-3102-425A-9BA8-EDF31FF50EC2}" type="datetimeFigureOut">
               <a:rPr lang="it-IT" smtClean="0"/>
-              <a:t>16/07/2023</a:t>
+              <a:t>24/09/2023</a:t>
             </a:fld>
             <a:endParaRPr lang="it-IT"/>
           </a:p>
@@ -2064,7 +2073,7 @@
           <a:p>
             <a:fld id="{3D65AF3B-3102-425A-9BA8-EDF31FF50EC2}" type="datetimeFigureOut">
               <a:rPr lang="it-IT" smtClean="0"/>
-              <a:t>16/07/2023</a:t>
+              <a:t>24/09/2023</a:t>
             </a:fld>
             <a:endParaRPr lang="it-IT"/>
           </a:p>
@@ -2375,7 +2384,7 @@
           <a:p>
             <a:fld id="{3D65AF3B-3102-425A-9BA8-EDF31FF50EC2}" type="datetimeFigureOut">
               <a:rPr lang="it-IT" smtClean="0"/>
-              <a:t>16/07/2023</a:t>
+              <a:t>24/09/2023</a:t>
             </a:fld>
             <a:endParaRPr lang="it-IT"/>
           </a:p>
@@ -2663,7 +2672,7 @@
           <a:p>
             <a:fld id="{3D65AF3B-3102-425A-9BA8-EDF31FF50EC2}" type="datetimeFigureOut">
               <a:rPr lang="it-IT" smtClean="0"/>
-              <a:t>16/07/2023</a:t>
+              <a:t>24/09/2023</a:t>
             </a:fld>
             <a:endParaRPr lang="it-IT"/>
           </a:p>
@@ -2904,7 +2913,7 @@
           <a:p>
             <a:fld id="{3D65AF3B-3102-425A-9BA8-EDF31FF50EC2}" type="datetimeFigureOut">
               <a:rPr lang="it-IT" smtClean="0"/>
-              <a:t>16/07/2023</a:t>
+              <a:t>24/09/2023</a:t>
             </a:fld>
             <a:endParaRPr lang="it-IT"/>
           </a:p>
@@ -5230,6 +5239,2392 @@
     <p:extLst>
       <p:ext uri="{BB962C8B-B14F-4D97-AF65-F5344CB8AC3E}">
         <p14:creationId xmlns:p14="http://schemas.microsoft.com/office/powerpoint/2010/main" val="2998431321"/>
+      </p:ext>
+    </p:extLst>
+  </p:cSld>
+  <p:clrMapOvr>
+    <a:masterClrMapping/>
+  </p:clrMapOvr>
+</p:sld>
+</file>
+
+<file path=ppt/slides/slide2.xml><?xml version="1.0" encoding="utf-8"?>
+<p:sld xmlns:a="http://schemas.openxmlformats.org/drawingml/2006/main" xmlns:r="http://schemas.openxmlformats.org/officeDocument/2006/relationships" xmlns:p="http://schemas.openxmlformats.org/presentationml/2006/main">
+  <p:cSld>
+    <p:spTree>
+      <p:nvGrpSpPr>
+        <p:cNvPr id="1" name=""/>
+        <p:cNvGrpSpPr/>
+        <p:nvPr/>
+      </p:nvGrpSpPr>
+      <p:grpSpPr>
+        <a:xfrm>
+          <a:off x="0" y="0"/>
+          <a:ext cx="0" cy="0"/>
+          <a:chOff x="0" y="0"/>
+          <a:chExt cx="0" cy="0"/>
+        </a:xfrm>
+      </p:grpSpPr>
+      <p:sp>
+        <p:nvSpPr>
+          <p:cNvPr id="4" name="Ovale 3">
+            <a:extLst>
+              <a:ext uri="{FF2B5EF4-FFF2-40B4-BE49-F238E27FC236}">
+                <a16:creationId xmlns:a16="http://schemas.microsoft.com/office/drawing/2014/main" id="{0DEE7C20-B32B-717E-3C95-C2C9D4A3610A}"/>
+              </a:ext>
+            </a:extLst>
+          </p:cNvPr>
+          <p:cNvSpPr/>
+          <p:nvPr/>
+        </p:nvSpPr>
+        <p:spPr>
+          <a:xfrm>
+            <a:off x="5299969" y="2041862"/>
+            <a:ext cx="612000" cy="612000"/>
+          </a:xfrm>
+          <a:prstGeom prst="ellipse">
+            <a:avLst/>
+          </a:prstGeom>
+        </p:spPr>
+        <p:style>
+          <a:lnRef idx="1">
+            <a:schemeClr val="accent1"/>
+          </a:lnRef>
+          <a:fillRef idx="2">
+            <a:schemeClr val="accent1"/>
+          </a:fillRef>
+          <a:effectRef idx="1">
+            <a:schemeClr val="accent1"/>
+          </a:effectRef>
+          <a:fontRef idx="minor">
+            <a:schemeClr val="dk1"/>
+          </a:fontRef>
+        </p:style>
+        <p:txBody>
+          <a:bodyPr rtlCol="0" anchor="ctr"/>
+          <a:lstStyle/>
+          <a:p>
+            <a:pPr algn="ctr"/>
+            <a:endParaRPr lang="it-IT"/>
+          </a:p>
+        </p:txBody>
+      </p:sp>
+      <p:sp>
+        <p:nvSpPr>
+          <p:cNvPr id="5" name="Ovale 4">
+            <a:extLst>
+              <a:ext uri="{FF2B5EF4-FFF2-40B4-BE49-F238E27FC236}">
+                <a16:creationId xmlns:a16="http://schemas.microsoft.com/office/drawing/2014/main" id="{E95E97A5-41A6-D182-872B-8C93C69E12CA}"/>
+              </a:ext>
+            </a:extLst>
+          </p:cNvPr>
+          <p:cNvSpPr/>
+          <p:nvPr/>
+        </p:nvSpPr>
+        <p:spPr>
+          <a:xfrm>
+            <a:off x="5299969" y="2914654"/>
+            <a:ext cx="612000" cy="612000"/>
+          </a:xfrm>
+          <a:prstGeom prst="ellipse">
+            <a:avLst/>
+          </a:prstGeom>
+        </p:spPr>
+        <p:style>
+          <a:lnRef idx="1">
+            <a:schemeClr val="accent1"/>
+          </a:lnRef>
+          <a:fillRef idx="2">
+            <a:schemeClr val="accent1"/>
+          </a:fillRef>
+          <a:effectRef idx="1">
+            <a:schemeClr val="accent1"/>
+          </a:effectRef>
+          <a:fontRef idx="minor">
+            <a:schemeClr val="dk1"/>
+          </a:fontRef>
+        </p:style>
+        <p:txBody>
+          <a:bodyPr rtlCol="0" anchor="ctr"/>
+          <a:lstStyle/>
+          <a:p>
+            <a:pPr algn="ctr"/>
+            <a:endParaRPr lang="it-IT"/>
+          </a:p>
+        </p:txBody>
+      </p:sp>
+      <p:sp>
+        <p:nvSpPr>
+          <p:cNvPr id="6" name="Ovale 5">
+            <a:extLst>
+              <a:ext uri="{FF2B5EF4-FFF2-40B4-BE49-F238E27FC236}">
+                <a16:creationId xmlns:a16="http://schemas.microsoft.com/office/drawing/2014/main" id="{6FC56843-E4E6-47DE-AB76-FA09270C61C4}"/>
+              </a:ext>
+            </a:extLst>
+          </p:cNvPr>
+          <p:cNvSpPr/>
+          <p:nvPr/>
+        </p:nvSpPr>
+        <p:spPr>
+          <a:xfrm>
+            <a:off x="5299969" y="3787446"/>
+            <a:ext cx="612000" cy="612000"/>
+          </a:xfrm>
+          <a:prstGeom prst="ellipse">
+            <a:avLst/>
+          </a:prstGeom>
+        </p:spPr>
+        <p:style>
+          <a:lnRef idx="1">
+            <a:schemeClr val="accent1"/>
+          </a:lnRef>
+          <a:fillRef idx="2">
+            <a:schemeClr val="accent1"/>
+          </a:fillRef>
+          <a:effectRef idx="1">
+            <a:schemeClr val="accent1"/>
+          </a:effectRef>
+          <a:fontRef idx="minor">
+            <a:schemeClr val="dk1"/>
+          </a:fontRef>
+        </p:style>
+        <p:txBody>
+          <a:bodyPr rtlCol="0" anchor="ctr"/>
+          <a:lstStyle/>
+          <a:p>
+            <a:pPr algn="ctr"/>
+            <a:endParaRPr lang="it-IT" u="sng" dirty="0"/>
+          </a:p>
+        </p:txBody>
+      </p:sp>
+      <p:sp>
+        <p:nvSpPr>
+          <p:cNvPr id="7" name="Ovale 6">
+            <a:extLst>
+              <a:ext uri="{FF2B5EF4-FFF2-40B4-BE49-F238E27FC236}">
+                <a16:creationId xmlns:a16="http://schemas.microsoft.com/office/drawing/2014/main" id="{026E7F21-720E-A316-1BA7-19A1B3BF484D}"/>
+              </a:ext>
+            </a:extLst>
+          </p:cNvPr>
+          <p:cNvSpPr/>
+          <p:nvPr/>
+        </p:nvSpPr>
+        <p:spPr>
+          <a:xfrm>
+            <a:off x="5299969" y="4660238"/>
+            <a:ext cx="612000" cy="612000"/>
+          </a:xfrm>
+          <a:prstGeom prst="ellipse">
+            <a:avLst/>
+          </a:prstGeom>
+        </p:spPr>
+        <p:style>
+          <a:lnRef idx="1">
+            <a:schemeClr val="accent1"/>
+          </a:lnRef>
+          <a:fillRef idx="2">
+            <a:schemeClr val="accent1"/>
+          </a:fillRef>
+          <a:effectRef idx="1">
+            <a:schemeClr val="accent1"/>
+          </a:effectRef>
+          <a:fontRef idx="minor">
+            <a:schemeClr val="dk1"/>
+          </a:fontRef>
+        </p:style>
+        <p:txBody>
+          <a:bodyPr rtlCol="0" anchor="ctr"/>
+          <a:lstStyle/>
+          <a:p>
+            <a:pPr algn="ctr"/>
+            <a:endParaRPr lang="it-IT"/>
+          </a:p>
+        </p:txBody>
+      </p:sp>
+      <p:sp>
+        <p:nvSpPr>
+          <p:cNvPr id="8" name="Ovale 7">
+            <a:extLst>
+              <a:ext uri="{FF2B5EF4-FFF2-40B4-BE49-F238E27FC236}">
+                <a16:creationId xmlns:a16="http://schemas.microsoft.com/office/drawing/2014/main" id="{E03CFAB7-04BC-2463-7DC5-B427D70C1A63}"/>
+              </a:ext>
+            </a:extLst>
+          </p:cNvPr>
+          <p:cNvSpPr/>
+          <p:nvPr/>
+        </p:nvSpPr>
+        <p:spPr>
+          <a:xfrm>
+            <a:off x="5299969" y="1169070"/>
+            <a:ext cx="612000" cy="612000"/>
+          </a:xfrm>
+          <a:prstGeom prst="ellipse">
+            <a:avLst/>
+          </a:prstGeom>
+        </p:spPr>
+        <p:style>
+          <a:lnRef idx="1">
+            <a:schemeClr val="accent1"/>
+          </a:lnRef>
+          <a:fillRef idx="2">
+            <a:schemeClr val="accent1"/>
+          </a:fillRef>
+          <a:effectRef idx="1">
+            <a:schemeClr val="accent1"/>
+          </a:effectRef>
+          <a:fontRef idx="minor">
+            <a:schemeClr val="dk1"/>
+          </a:fontRef>
+        </p:style>
+        <p:txBody>
+          <a:bodyPr rtlCol="0" anchor="ctr"/>
+          <a:lstStyle/>
+          <a:p>
+            <a:pPr algn="ctr"/>
+            <a:endParaRPr lang="it-IT"/>
+          </a:p>
+        </p:txBody>
+      </p:sp>
+      <p:sp>
+        <p:nvSpPr>
+          <p:cNvPr id="9" name="Ovale 8">
+            <a:extLst>
+              <a:ext uri="{FF2B5EF4-FFF2-40B4-BE49-F238E27FC236}">
+                <a16:creationId xmlns:a16="http://schemas.microsoft.com/office/drawing/2014/main" id="{31EC88F4-02F7-79D0-0BA6-04556D360B67}"/>
+              </a:ext>
+            </a:extLst>
+          </p:cNvPr>
+          <p:cNvSpPr/>
+          <p:nvPr/>
+        </p:nvSpPr>
+        <p:spPr>
+          <a:xfrm>
+            <a:off x="3641325" y="2041862"/>
+            <a:ext cx="612000" cy="612000"/>
+          </a:xfrm>
+          <a:prstGeom prst="ellipse">
+            <a:avLst/>
+          </a:prstGeom>
+        </p:spPr>
+        <p:style>
+          <a:lnRef idx="1">
+            <a:schemeClr val="accent6"/>
+          </a:lnRef>
+          <a:fillRef idx="2">
+            <a:schemeClr val="accent6"/>
+          </a:fillRef>
+          <a:effectRef idx="1">
+            <a:schemeClr val="accent6"/>
+          </a:effectRef>
+          <a:fontRef idx="minor">
+            <a:schemeClr val="dk1"/>
+          </a:fontRef>
+        </p:style>
+        <p:txBody>
+          <a:bodyPr rtlCol="0" anchor="ctr"/>
+          <a:lstStyle/>
+          <a:p>
+            <a:pPr algn="ctr"/>
+            <a:endParaRPr lang="it-IT"/>
+          </a:p>
+        </p:txBody>
+      </p:sp>
+      <p:sp>
+        <p:nvSpPr>
+          <p:cNvPr id="10" name="Ovale 9">
+            <a:extLst>
+              <a:ext uri="{FF2B5EF4-FFF2-40B4-BE49-F238E27FC236}">
+                <a16:creationId xmlns:a16="http://schemas.microsoft.com/office/drawing/2014/main" id="{3854880B-956E-8090-B894-1E898CA2476C}"/>
+              </a:ext>
+            </a:extLst>
+          </p:cNvPr>
+          <p:cNvSpPr/>
+          <p:nvPr/>
+        </p:nvSpPr>
+        <p:spPr>
+          <a:xfrm>
+            <a:off x="3641325" y="2914654"/>
+            <a:ext cx="612000" cy="612000"/>
+          </a:xfrm>
+          <a:prstGeom prst="ellipse">
+            <a:avLst/>
+          </a:prstGeom>
+        </p:spPr>
+        <p:style>
+          <a:lnRef idx="1">
+            <a:schemeClr val="accent6"/>
+          </a:lnRef>
+          <a:fillRef idx="2">
+            <a:schemeClr val="accent6"/>
+          </a:fillRef>
+          <a:effectRef idx="1">
+            <a:schemeClr val="accent6"/>
+          </a:effectRef>
+          <a:fontRef idx="minor">
+            <a:schemeClr val="dk1"/>
+          </a:fontRef>
+        </p:style>
+        <p:txBody>
+          <a:bodyPr rtlCol="0" anchor="ctr"/>
+          <a:lstStyle/>
+          <a:p>
+            <a:pPr algn="ctr"/>
+            <a:endParaRPr lang="it-IT"/>
+          </a:p>
+        </p:txBody>
+      </p:sp>
+      <p:sp>
+        <p:nvSpPr>
+          <p:cNvPr id="11" name="Ovale 10">
+            <a:extLst>
+              <a:ext uri="{FF2B5EF4-FFF2-40B4-BE49-F238E27FC236}">
+                <a16:creationId xmlns:a16="http://schemas.microsoft.com/office/drawing/2014/main" id="{CB531102-2462-AA3C-98CB-ED95641FD0C8}"/>
+              </a:ext>
+            </a:extLst>
+          </p:cNvPr>
+          <p:cNvSpPr/>
+          <p:nvPr/>
+        </p:nvSpPr>
+        <p:spPr>
+          <a:xfrm>
+            <a:off x="3641325" y="3787446"/>
+            <a:ext cx="612000" cy="612000"/>
+          </a:xfrm>
+          <a:prstGeom prst="ellipse">
+            <a:avLst/>
+          </a:prstGeom>
+        </p:spPr>
+        <p:style>
+          <a:lnRef idx="1">
+            <a:schemeClr val="accent6"/>
+          </a:lnRef>
+          <a:fillRef idx="2">
+            <a:schemeClr val="accent6"/>
+          </a:fillRef>
+          <a:effectRef idx="1">
+            <a:schemeClr val="accent6"/>
+          </a:effectRef>
+          <a:fontRef idx="minor">
+            <a:schemeClr val="dk1"/>
+          </a:fontRef>
+        </p:style>
+        <p:txBody>
+          <a:bodyPr rtlCol="0" anchor="ctr"/>
+          <a:lstStyle/>
+          <a:p>
+            <a:pPr algn="ctr"/>
+            <a:endParaRPr lang="it-IT"/>
+          </a:p>
+        </p:txBody>
+      </p:sp>
+      <p:sp>
+        <p:nvSpPr>
+          <p:cNvPr id="12" name="Ovale 11">
+            <a:extLst>
+              <a:ext uri="{FF2B5EF4-FFF2-40B4-BE49-F238E27FC236}">
+                <a16:creationId xmlns:a16="http://schemas.microsoft.com/office/drawing/2014/main" id="{43C01B06-F864-CFE4-A3B5-5B0AA1E28FCF}"/>
+              </a:ext>
+            </a:extLst>
+          </p:cNvPr>
+          <p:cNvSpPr/>
+          <p:nvPr/>
+        </p:nvSpPr>
+        <p:spPr>
+          <a:xfrm>
+            <a:off x="6792897" y="2502200"/>
+            <a:ext cx="612000" cy="612000"/>
+          </a:xfrm>
+          <a:prstGeom prst="ellipse">
+            <a:avLst/>
+          </a:prstGeom>
+        </p:spPr>
+        <p:style>
+          <a:lnRef idx="1">
+            <a:schemeClr val="accent2"/>
+          </a:lnRef>
+          <a:fillRef idx="2">
+            <a:schemeClr val="accent2"/>
+          </a:fillRef>
+          <a:effectRef idx="1">
+            <a:schemeClr val="accent2"/>
+          </a:effectRef>
+          <a:fontRef idx="minor">
+            <a:schemeClr val="dk1"/>
+          </a:fontRef>
+        </p:style>
+        <p:txBody>
+          <a:bodyPr rtlCol="0" anchor="ctr"/>
+          <a:lstStyle/>
+          <a:p>
+            <a:pPr algn="ctr"/>
+            <a:endParaRPr lang="it-IT"/>
+          </a:p>
+        </p:txBody>
+      </p:sp>
+      <p:sp>
+        <p:nvSpPr>
+          <p:cNvPr id="13" name="Ovale 12">
+            <a:extLst>
+              <a:ext uri="{FF2B5EF4-FFF2-40B4-BE49-F238E27FC236}">
+                <a16:creationId xmlns:a16="http://schemas.microsoft.com/office/drawing/2014/main" id="{5B3D798E-2270-2172-3494-FDFD00E99D21}"/>
+              </a:ext>
+            </a:extLst>
+          </p:cNvPr>
+          <p:cNvSpPr/>
+          <p:nvPr/>
+        </p:nvSpPr>
+        <p:spPr>
+          <a:xfrm>
+            <a:off x="6789658" y="3414023"/>
+            <a:ext cx="612000" cy="612000"/>
+          </a:xfrm>
+          <a:prstGeom prst="ellipse">
+            <a:avLst/>
+          </a:prstGeom>
+        </p:spPr>
+        <p:style>
+          <a:lnRef idx="1">
+            <a:schemeClr val="accent2"/>
+          </a:lnRef>
+          <a:fillRef idx="2">
+            <a:schemeClr val="accent2"/>
+          </a:fillRef>
+          <a:effectRef idx="1">
+            <a:schemeClr val="accent2"/>
+          </a:effectRef>
+          <a:fontRef idx="minor">
+            <a:schemeClr val="dk1"/>
+          </a:fontRef>
+        </p:style>
+        <p:txBody>
+          <a:bodyPr rtlCol="0" anchor="ctr"/>
+          <a:lstStyle/>
+          <a:p>
+            <a:pPr algn="ctr"/>
+            <a:endParaRPr lang="it-IT"/>
+          </a:p>
+        </p:txBody>
+      </p:sp>
+      <p:cxnSp>
+        <p:nvCxnSpPr>
+          <p:cNvPr id="15" name="Connettore 2 14">
+            <a:extLst>
+              <a:ext uri="{FF2B5EF4-FFF2-40B4-BE49-F238E27FC236}">
+                <a16:creationId xmlns:a16="http://schemas.microsoft.com/office/drawing/2014/main" id="{6D05FCA5-1507-4788-82CA-9DD54AB3CD86}"/>
+              </a:ext>
+            </a:extLst>
+          </p:cNvPr>
+          <p:cNvCxnSpPr>
+            <a:stCxn id="9" idx="6"/>
+            <a:endCxn id="8" idx="2"/>
+          </p:cNvCxnSpPr>
+          <p:nvPr/>
+        </p:nvCxnSpPr>
+        <p:spPr>
+          <a:xfrm flipV="1">
+            <a:off x="4253325" y="1475070"/>
+            <a:ext cx="1046644" cy="872792"/>
+          </a:xfrm>
+          <a:prstGeom prst="straightConnector1">
+            <a:avLst/>
+          </a:prstGeom>
+          <a:ln>
+            <a:tailEnd type="triangle"/>
+          </a:ln>
+        </p:spPr>
+        <p:style>
+          <a:lnRef idx="1">
+            <a:schemeClr val="accent1"/>
+          </a:lnRef>
+          <a:fillRef idx="0">
+            <a:schemeClr val="accent1"/>
+          </a:fillRef>
+          <a:effectRef idx="0">
+            <a:schemeClr val="accent1"/>
+          </a:effectRef>
+          <a:fontRef idx="minor">
+            <a:schemeClr val="tx1"/>
+          </a:fontRef>
+        </p:style>
+      </p:cxnSp>
+      <p:cxnSp>
+        <p:nvCxnSpPr>
+          <p:cNvPr id="17" name="Connettore 2 16">
+            <a:extLst>
+              <a:ext uri="{FF2B5EF4-FFF2-40B4-BE49-F238E27FC236}">
+                <a16:creationId xmlns:a16="http://schemas.microsoft.com/office/drawing/2014/main" id="{EAA532EF-5A86-2E27-7A45-702716C5AB84}"/>
+              </a:ext>
+            </a:extLst>
+          </p:cNvPr>
+          <p:cNvCxnSpPr>
+            <a:stCxn id="9" idx="6"/>
+            <a:endCxn id="4" idx="2"/>
+          </p:cNvCxnSpPr>
+          <p:nvPr/>
+        </p:nvCxnSpPr>
+        <p:spPr>
+          <a:xfrm>
+            <a:off x="4253325" y="2347862"/>
+            <a:ext cx="1046644" cy="0"/>
+          </a:xfrm>
+          <a:prstGeom prst="straightConnector1">
+            <a:avLst/>
+          </a:prstGeom>
+          <a:ln>
+            <a:tailEnd type="triangle"/>
+          </a:ln>
+        </p:spPr>
+        <p:style>
+          <a:lnRef idx="1">
+            <a:schemeClr val="accent1"/>
+          </a:lnRef>
+          <a:fillRef idx="0">
+            <a:schemeClr val="accent1"/>
+          </a:fillRef>
+          <a:effectRef idx="0">
+            <a:schemeClr val="accent1"/>
+          </a:effectRef>
+          <a:fontRef idx="minor">
+            <a:schemeClr val="tx1"/>
+          </a:fontRef>
+        </p:style>
+      </p:cxnSp>
+      <p:cxnSp>
+        <p:nvCxnSpPr>
+          <p:cNvPr id="19" name="Connettore 2 18">
+            <a:extLst>
+              <a:ext uri="{FF2B5EF4-FFF2-40B4-BE49-F238E27FC236}">
+                <a16:creationId xmlns:a16="http://schemas.microsoft.com/office/drawing/2014/main" id="{77E4E885-CCEE-AEAB-246A-6C6643A92604}"/>
+              </a:ext>
+            </a:extLst>
+          </p:cNvPr>
+          <p:cNvCxnSpPr>
+            <a:stCxn id="9" idx="6"/>
+            <a:endCxn id="5" idx="2"/>
+          </p:cNvCxnSpPr>
+          <p:nvPr/>
+        </p:nvCxnSpPr>
+        <p:spPr>
+          <a:xfrm>
+            <a:off x="4253325" y="2347862"/>
+            <a:ext cx="1046644" cy="872792"/>
+          </a:xfrm>
+          <a:prstGeom prst="straightConnector1">
+            <a:avLst/>
+          </a:prstGeom>
+          <a:ln>
+            <a:tailEnd type="triangle"/>
+          </a:ln>
+        </p:spPr>
+        <p:style>
+          <a:lnRef idx="1">
+            <a:schemeClr val="accent1"/>
+          </a:lnRef>
+          <a:fillRef idx="0">
+            <a:schemeClr val="accent1"/>
+          </a:fillRef>
+          <a:effectRef idx="0">
+            <a:schemeClr val="accent1"/>
+          </a:effectRef>
+          <a:fontRef idx="minor">
+            <a:schemeClr val="tx1"/>
+          </a:fontRef>
+        </p:style>
+      </p:cxnSp>
+      <p:cxnSp>
+        <p:nvCxnSpPr>
+          <p:cNvPr id="21" name="Connettore 2 20">
+            <a:extLst>
+              <a:ext uri="{FF2B5EF4-FFF2-40B4-BE49-F238E27FC236}">
+                <a16:creationId xmlns:a16="http://schemas.microsoft.com/office/drawing/2014/main" id="{4EC0E8A0-7B4A-C730-E002-19FBC21E930F}"/>
+              </a:ext>
+            </a:extLst>
+          </p:cNvPr>
+          <p:cNvCxnSpPr>
+            <a:stCxn id="9" idx="6"/>
+            <a:endCxn id="6" idx="2"/>
+          </p:cNvCxnSpPr>
+          <p:nvPr/>
+        </p:nvCxnSpPr>
+        <p:spPr>
+          <a:xfrm>
+            <a:off x="4253325" y="2347862"/>
+            <a:ext cx="1046644" cy="1745584"/>
+          </a:xfrm>
+          <a:prstGeom prst="straightConnector1">
+            <a:avLst/>
+          </a:prstGeom>
+          <a:ln>
+            <a:tailEnd type="triangle"/>
+          </a:ln>
+        </p:spPr>
+        <p:style>
+          <a:lnRef idx="1">
+            <a:schemeClr val="accent1"/>
+          </a:lnRef>
+          <a:fillRef idx="0">
+            <a:schemeClr val="accent1"/>
+          </a:fillRef>
+          <a:effectRef idx="0">
+            <a:schemeClr val="accent1"/>
+          </a:effectRef>
+          <a:fontRef idx="minor">
+            <a:schemeClr val="tx1"/>
+          </a:fontRef>
+        </p:style>
+      </p:cxnSp>
+      <p:cxnSp>
+        <p:nvCxnSpPr>
+          <p:cNvPr id="23" name="Connettore 2 22">
+            <a:extLst>
+              <a:ext uri="{FF2B5EF4-FFF2-40B4-BE49-F238E27FC236}">
+                <a16:creationId xmlns:a16="http://schemas.microsoft.com/office/drawing/2014/main" id="{72E2F9DC-E737-4120-E473-9CED3E2338AB}"/>
+              </a:ext>
+            </a:extLst>
+          </p:cNvPr>
+          <p:cNvCxnSpPr>
+            <a:stCxn id="9" idx="6"/>
+            <a:endCxn id="7" idx="2"/>
+          </p:cNvCxnSpPr>
+          <p:nvPr/>
+        </p:nvCxnSpPr>
+        <p:spPr>
+          <a:xfrm>
+            <a:off x="4253325" y="2347862"/>
+            <a:ext cx="1046644" cy="2618376"/>
+          </a:xfrm>
+          <a:prstGeom prst="straightConnector1">
+            <a:avLst/>
+          </a:prstGeom>
+          <a:ln>
+            <a:tailEnd type="triangle"/>
+          </a:ln>
+        </p:spPr>
+        <p:style>
+          <a:lnRef idx="1">
+            <a:schemeClr val="accent1"/>
+          </a:lnRef>
+          <a:fillRef idx="0">
+            <a:schemeClr val="accent1"/>
+          </a:fillRef>
+          <a:effectRef idx="0">
+            <a:schemeClr val="accent1"/>
+          </a:effectRef>
+          <a:fontRef idx="minor">
+            <a:schemeClr val="tx1"/>
+          </a:fontRef>
+        </p:style>
+      </p:cxnSp>
+      <p:cxnSp>
+        <p:nvCxnSpPr>
+          <p:cNvPr id="25" name="Connettore 2 24">
+            <a:extLst>
+              <a:ext uri="{FF2B5EF4-FFF2-40B4-BE49-F238E27FC236}">
+                <a16:creationId xmlns:a16="http://schemas.microsoft.com/office/drawing/2014/main" id="{EA51EB15-3FAD-C302-2AF5-EE95708DFC5B}"/>
+              </a:ext>
+            </a:extLst>
+          </p:cNvPr>
+          <p:cNvCxnSpPr>
+            <a:stCxn id="10" idx="6"/>
+            <a:endCxn id="8" idx="2"/>
+          </p:cNvCxnSpPr>
+          <p:nvPr/>
+        </p:nvCxnSpPr>
+        <p:spPr>
+          <a:xfrm flipV="1">
+            <a:off x="4253325" y="1475070"/>
+            <a:ext cx="1046644" cy="1745584"/>
+          </a:xfrm>
+          <a:prstGeom prst="straightConnector1">
+            <a:avLst/>
+          </a:prstGeom>
+          <a:ln>
+            <a:tailEnd type="triangle"/>
+          </a:ln>
+        </p:spPr>
+        <p:style>
+          <a:lnRef idx="1">
+            <a:schemeClr val="accent1"/>
+          </a:lnRef>
+          <a:fillRef idx="0">
+            <a:schemeClr val="accent1"/>
+          </a:fillRef>
+          <a:effectRef idx="0">
+            <a:schemeClr val="accent1"/>
+          </a:effectRef>
+          <a:fontRef idx="minor">
+            <a:schemeClr val="tx1"/>
+          </a:fontRef>
+        </p:style>
+      </p:cxnSp>
+      <p:cxnSp>
+        <p:nvCxnSpPr>
+          <p:cNvPr id="27" name="Connettore 2 26">
+            <a:extLst>
+              <a:ext uri="{FF2B5EF4-FFF2-40B4-BE49-F238E27FC236}">
+                <a16:creationId xmlns:a16="http://schemas.microsoft.com/office/drawing/2014/main" id="{BA104602-9DC0-655B-3F29-63ADB12569BD}"/>
+              </a:ext>
+            </a:extLst>
+          </p:cNvPr>
+          <p:cNvCxnSpPr>
+            <a:stCxn id="10" idx="6"/>
+            <a:endCxn id="4" idx="2"/>
+          </p:cNvCxnSpPr>
+          <p:nvPr/>
+        </p:nvCxnSpPr>
+        <p:spPr>
+          <a:xfrm flipV="1">
+            <a:off x="4253325" y="2347862"/>
+            <a:ext cx="1046644" cy="872792"/>
+          </a:xfrm>
+          <a:prstGeom prst="straightConnector1">
+            <a:avLst/>
+          </a:prstGeom>
+          <a:ln>
+            <a:tailEnd type="triangle"/>
+          </a:ln>
+        </p:spPr>
+        <p:style>
+          <a:lnRef idx="1">
+            <a:schemeClr val="accent1"/>
+          </a:lnRef>
+          <a:fillRef idx="0">
+            <a:schemeClr val="accent1"/>
+          </a:fillRef>
+          <a:effectRef idx="0">
+            <a:schemeClr val="accent1"/>
+          </a:effectRef>
+          <a:fontRef idx="minor">
+            <a:schemeClr val="tx1"/>
+          </a:fontRef>
+        </p:style>
+      </p:cxnSp>
+      <p:cxnSp>
+        <p:nvCxnSpPr>
+          <p:cNvPr id="29" name="Connettore 2 28">
+            <a:extLst>
+              <a:ext uri="{FF2B5EF4-FFF2-40B4-BE49-F238E27FC236}">
+                <a16:creationId xmlns:a16="http://schemas.microsoft.com/office/drawing/2014/main" id="{985BE8B0-B3E8-7A5C-87F7-B8F76A71A482}"/>
+              </a:ext>
+            </a:extLst>
+          </p:cNvPr>
+          <p:cNvCxnSpPr>
+            <a:stCxn id="10" idx="6"/>
+            <a:endCxn id="5" idx="2"/>
+          </p:cNvCxnSpPr>
+          <p:nvPr/>
+        </p:nvCxnSpPr>
+        <p:spPr>
+          <a:xfrm>
+            <a:off x="4253325" y="3220654"/>
+            <a:ext cx="1046644" cy="0"/>
+          </a:xfrm>
+          <a:prstGeom prst="straightConnector1">
+            <a:avLst/>
+          </a:prstGeom>
+          <a:ln>
+            <a:tailEnd type="triangle"/>
+          </a:ln>
+        </p:spPr>
+        <p:style>
+          <a:lnRef idx="1">
+            <a:schemeClr val="accent1"/>
+          </a:lnRef>
+          <a:fillRef idx="0">
+            <a:schemeClr val="accent1"/>
+          </a:fillRef>
+          <a:effectRef idx="0">
+            <a:schemeClr val="accent1"/>
+          </a:effectRef>
+          <a:fontRef idx="minor">
+            <a:schemeClr val="tx1"/>
+          </a:fontRef>
+        </p:style>
+      </p:cxnSp>
+      <p:cxnSp>
+        <p:nvCxnSpPr>
+          <p:cNvPr id="31" name="Connettore 2 30">
+            <a:extLst>
+              <a:ext uri="{FF2B5EF4-FFF2-40B4-BE49-F238E27FC236}">
+                <a16:creationId xmlns:a16="http://schemas.microsoft.com/office/drawing/2014/main" id="{3CD4A4F4-C9D0-14F1-903A-95CBA0516E28}"/>
+              </a:ext>
+            </a:extLst>
+          </p:cNvPr>
+          <p:cNvCxnSpPr>
+            <a:stCxn id="10" idx="6"/>
+            <a:endCxn id="6" idx="2"/>
+          </p:cNvCxnSpPr>
+          <p:nvPr/>
+        </p:nvCxnSpPr>
+        <p:spPr>
+          <a:xfrm>
+            <a:off x="4253325" y="3220654"/>
+            <a:ext cx="1046644" cy="872792"/>
+          </a:xfrm>
+          <a:prstGeom prst="straightConnector1">
+            <a:avLst/>
+          </a:prstGeom>
+          <a:ln>
+            <a:tailEnd type="triangle"/>
+          </a:ln>
+        </p:spPr>
+        <p:style>
+          <a:lnRef idx="1">
+            <a:schemeClr val="accent1"/>
+          </a:lnRef>
+          <a:fillRef idx="0">
+            <a:schemeClr val="accent1"/>
+          </a:fillRef>
+          <a:effectRef idx="0">
+            <a:schemeClr val="accent1"/>
+          </a:effectRef>
+          <a:fontRef idx="minor">
+            <a:schemeClr val="tx1"/>
+          </a:fontRef>
+        </p:style>
+      </p:cxnSp>
+      <p:cxnSp>
+        <p:nvCxnSpPr>
+          <p:cNvPr id="33" name="Connettore 2 32">
+            <a:extLst>
+              <a:ext uri="{FF2B5EF4-FFF2-40B4-BE49-F238E27FC236}">
+                <a16:creationId xmlns:a16="http://schemas.microsoft.com/office/drawing/2014/main" id="{CDE45206-61E2-3FD1-D298-15AF10C70EF2}"/>
+              </a:ext>
+            </a:extLst>
+          </p:cNvPr>
+          <p:cNvCxnSpPr>
+            <a:stCxn id="10" idx="6"/>
+            <a:endCxn id="7" idx="2"/>
+          </p:cNvCxnSpPr>
+          <p:nvPr/>
+        </p:nvCxnSpPr>
+        <p:spPr>
+          <a:xfrm>
+            <a:off x="4253325" y="3220654"/>
+            <a:ext cx="1046644" cy="1745584"/>
+          </a:xfrm>
+          <a:prstGeom prst="straightConnector1">
+            <a:avLst/>
+          </a:prstGeom>
+          <a:ln>
+            <a:tailEnd type="triangle"/>
+          </a:ln>
+        </p:spPr>
+        <p:style>
+          <a:lnRef idx="1">
+            <a:schemeClr val="accent1"/>
+          </a:lnRef>
+          <a:fillRef idx="0">
+            <a:schemeClr val="accent1"/>
+          </a:fillRef>
+          <a:effectRef idx="0">
+            <a:schemeClr val="accent1"/>
+          </a:effectRef>
+          <a:fontRef idx="minor">
+            <a:schemeClr val="tx1"/>
+          </a:fontRef>
+        </p:style>
+      </p:cxnSp>
+      <p:cxnSp>
+        <p:nvCxnSpPr>
+          <p:cNvPr id="35" name="Connettore 2 34">
+            <a:extLst>
+              <a:ext uri="{FF2B5EF4-FFF2-40B4-BE49-F238E27FC236}">
+                <a16:creationId xmlns:a16="http://schemas.microsoft.com/office/drawing/2014/main" id="{11EA0E43-BF84-248E-F4DA-48F8CB93D811}"/>
+              </a:ext>
+            </a:extLst>
+          </p:cNvPr>
+          <p:cNvCxnSpPr>
+            <a:stCxn id="11" idx="6"/>
+            <a:endCxn id="8" idx="2"/>
+          </p:cNvCxnSpPr>
+          <p:nvPr/>
+        </p:nvCxnSpPr>
+        <p:spPr>
+          <a:xfrm flipV="1">
+            <a:off x="4253325" y="1475070"/>
+            <a:ext cx="1046644" cy="2618376"/>
+          </a:xfrm>
+          <a:prstGeom prst="straightConnector1">
+            <a:avLst/>
+          </a:prstGeom>
+          <a:ln>
+            <a:tailEnd type="triangle"/>
+          </a:ln>
+        </p:spPr>
+        <p:style>
+          <a:lnRef idx="1">
+            <a:schemeClr val="accent1"/>
+          </a:lnRef>
+          <a:fillRef idx="0">
+            <a:schemeClr val="accent1"/>
+          </a:fillRef>
+          <a:effectRef idx="0">
+            <a:schemeClr val="accent1"/>
+          </a:effectRef>
+          <a:fontRef idx="minor">
+            <a:schemeClr val="tx1"/>
+          </a:fontRef>
+        </p:style>
+      </p:cxnSp>
+      <p:cxnSp>
+        <p:nvCxnSpPr>
+          <p:cNvPr id="37" name="Connettore 2 36">
+            <a:extLst>
+              <a:ext uri="{FF2B5EF4-FFF2-40B4-BE49-F238E27FC236}">
+                <a16:creationId xmlns:a16="http://schemas.microsoft.com/office/drawing/2014/main" id="{26A35492-F098-00DC-FDFC-6ABC6BAD0C34}"/>
+              </a:ext>
+            </a:extLst>
+          </p:cNvPr>
+          <p:cNvCxnSpPr>
+            <a:stCxn id="11" idx="6"/>
+            <a:endCxn id="4" idx="2"/>
+          </p:cNvCxnSpPr>
+          <p:nvPr/>
+        </p:nvCxnSpPr>
+        <p:spPr>
+          <a:xfrm flipV="1">
+            <a:off x="4253325" y="2347862"/>
+            <a:ext cx="1046644" cy="1745584"/>
+          </a:xfrm>
+          <a:prstGeom prst="straightConnector1">
+            <a:avLst/>
+          </a:prstGeom>
+          <a:ln>
+            <a:tailEnd type="triangle"/>
+          </a:ln>
+        </p:spPr>
+        <p:style>
+          <a:lnRef idx="1">
+            <a:schemeClr val="accent1"/>
+          </a:lnRef>
+          <a:fillRef idx="0">
+            <a:schemeClr val="accent1"/>
+          </a:fillRef>
+          <a:effectRef idx="0">
+            <a:schemeClr val="accent1"/>
+          </a:effectRef>
+          <a:fontRef idx="minor">
+            <a:schemeClr val="tx1"/>
+          </a:fontRef>
+        </p:style>
+      </p:cxnSp>
+      <p:cxnSp>
+        <p:nvCxnSpPr>
+          <p:cNvPr id="39" name="Connettore 2 38">
+            <a:extLst>
+              <a:ext uri="{FF2B5EF4-FFF2-40B4-BE49-F238E27FC236}">
+                <a16:creationId xmlns:a16="http://schemas.microsoft.com/office/drawing/2014/main" id="{A07FFD94-7C1D-9EEB-E6B7-F6A1E5731BEC}"/>
+              </a:ext>
+            </a:extLst>
+          </p:cNvPr>
+          <p:cNvCxnSpPr>
+            <a:stCxn id="11" idx="6"/>
+            <a:endCxn id="5" idx="2"/>
+          </p:cNvCxnSpPr>
+          <p:nvPr/>
+        </p:nvCxnSpPr>
+        <p:spPr>
+          <a:xfrm flipV="1">
+            <a:off x="4253325" y="3220654"/>
+            <a:ext cx="1046644" cy="872792"/>
+          </a:xfrm>
+          <a:prstGeom prst="straightConnector1">
+            <a:avLst/>
+          </a:prstGeom>
+          <a:ln>
+            <a:tailEnd type="triangle"/>
+          </a:ln>
+        </p:spPr>
+        <p:style>
+          <a:lnRef idx="1">
+            <a:schemeClr val="accent1"/>
+          </a:lnRef>
+          <a:fillRef idx="0">
+            <a:schemeClr val="accent1"/>
+          </a:fillRef>
+          <a:effectRef idx="0">
+            <a:schemeClr val="accent1"/>
+          </a:effectRef>
+          <a:fontRef idx="minor">
+            <a:schemeClr val="tx1"/>
+          </a:fontRef>
+        </p:style>
+      </p:cxnSp>
+      <p:cxnSp>
+        <p:nvCxnSpPr>
+          <p:cNvPr id="41" name="Connettore 2 40">
+            <a:extLst>
+              <a:ext uri="{FF2B5EF4-FFF2-40B4-BE49-F238E27FC236}">
+                <a16:creationId xmlns:a16="http://schemas.microsoft.com/office/drawing/2014/main" id="{5F1ABB29-2F1D-246B-B48C-377DBDB280D8}"/>
+              </a:ext>
+            </a:extLst>
+          </p:cNvPr>
+          <p:cNvCxnSpPr>
+            <a:cxnSpLocks/>
+            <a:stCxn id="11" idx="6"/>
+            <a:endCxn id="6" idx="2"/>
+          </p:cNvCxnSpPr>
+          <p:nvPr/>
+        </p:nvCxnSpPr>
+        <p:spPr>
+          <a:xfrm>
+            <a:off x="4253325" y="4093446"/>
+            <a:ext cx="1046644" cy="0"/>
+          </a:xfrm>
+          <a:prstGeom prst="straightConnector1">
+            <a:avLst/>
+          </a:prstGeom>
+          <a:ln>
+            <a:tailEnd type="triangle"/>
+          </a:ln>
+        </p:spPr>
+        <p:style>
+          <a:lnRef idx="1">
+            <a:schemeClr val="accent1"/>
+          </a:lnRef>
+          <a:fillRef idx="0">
+            <a:schemeClr val="accent1"/>
+          </a:fillRef>
+          <a:effectRef idx="0">
+            <a:schemeClr val="accent1"/>
+          </a:effectRef>
+          <a:fontRef idx="minor">
+            <a:schemeClr val="tx1"/>
+          </a:fontRef>
+        </p:style>
+      </p:cxnSp>
+      <p:cxnSp>
+        <p:nvCxnSpPr>
+          <p:cNvPr id="44" name="Connettore 2 43">
+            <a:extLst>
+              <a:ext uri="{FF2B5EF4-FFF2-40B4-BE49-F238E27FC236}">
+                <a16:creationId xmlns:a16="http://schemas.microsoft.com/office/drawing/2014/main" id="{AE47D31E-1830-4744-78DB-90317A97597B}"/>
+              </a:ext>
+            </a:extLst>
+          </p:cNvPr>
+          <p:cNvCxnSpPr>
+            <a:cxnSpLocks/>
+            <a:stCxn id="11" idx="6"/>
+            <a:endCxn id="7" idx="2"/>
+          </p:cNvCxnSpPr>
+          <p:nvPr/>
+        </p:nvCxnSpPr>
+        <p:spPr>
+          <a:xfrm>
+            <a:off x="4253325" y="4093446"/>
+            <a:ext cx="1046644" cy="872792"/>
+          </a:xfrm>
+          <a:prstGeom prst="straightConnector1">
+            <a:avLst/>
+          </a:prstGeom>
+          <a:ln>
+            <a:tailEnd type="triangle"/>
+          </a:ln>
+        </p:spPr>
+        <p:style>
+          <a:lnRef idx="1">
+            <a:schemeClr val="accent1"/>
+          </a:lnRef>
+          <a:fillRef idx="0">
+            <a:schemeClr val="accent1"/>
+          </a:fillRef>
+          <a:effectRef idx="0">
+            <a:schemeClr val="accent1"/>
+          </a:effectRef>
+          <a:fontRef idx="minor">
+            <a:schemeClr val="tx1"/>
+          </a:fontRef>
+        </p:style>
+      </p:cxnSp>
+      <p:cxnSp>
+        <p:nvCxnSpPr>
+          <p:cNvPr id="47" name="Connettore 2 46">
+            <a:extLst>
+              <a:ext uri="{FF2B5EF4-FFF2-40B4-BE49-F238E27FC236}">
+                <a16:creationId xmlns:a16="http://schemas.microsoft.com/office/drawing/2014/main" id="{9372906A-CE02-5281-8EB4-44D2C8C26343}"/>
+              </a:ext>
+            </a:extLst>
+          </p:cNvPr>
+          <p:cNvCxnSpPr>
+            <a:stCxn id="8" idx="6"/>
+            <a:endCxn id="12" idx="2"/>
+          </p:cNvCxnSpPr>
+          <p:nvPr/>
+        </p:nvCxnSpPr>
+        <p:spPr>
+          <a:xfrm>
+            <a:off x="5911969" y="1475070"/>
+            <a:ext cx="880928" cy="1333130"/>
+          </a:xfrm>
+          <a:prstGeom prst="straightConnector1">
+            <a:avLst/>
+          </a:prstGeom>
+          <a:ln>
+            <a:tailEnd type="triangle"/>
+          </a:ln>
+        </p:spPr>
+        <p:style>
+          <a:lnRef idx="1">
+            <a:schemeClr val="accent1"/>
+          </a:lnRef>
+          <a:fillRef idx="0">
+            <a:schemeClr val="accent1"/>
+          </a:fillRef>
+          <a:effectRef idx="0">
+            <a:schemeClr val="accent1"/>
+          </a:effectRef>
+          <a:fontRef idx="minor">
+            <a:schemeClr val="tx1"/>
+          </a:fontRef>
+        </p:style>
+      </p:cxnSp>
+      <p:cxnSp>
+        <p:nvCxnSpPr>
+          <p:cNvPr id="49" name="Connettore 2 48">
+            <a:extLst>
+              <a:ext uri="{FF2B5EF4-FFF2-40B4-BE49-F238E27FC236}">
+                <a16:creationId xmlns:a16="http://schemas.microsoft.com/office/drawing/2014/main" id="{E09DD83E-9C03-70E8-F526-641315898195}"/>
+              </a:ext>
+            </a:extLst>
+          </p:cNvPr>
+          <p:cNvCxnSpPr>
+            <a:stCxn id="8" idx="6"/>
+            <a:endCxn id="13" idx="2"/>
+          </p:cNvCxnSpPr>
+          <p:nvPr/>
+        </p:nvCxnSpPr>
+        <p:spPr>
+          <a:xfrm>
+            <a:off x="5911969" y="1475070"/>
+            <a:ext cx="877689" cy="2244953"/>
+          </a:xfrm>
+          <a:prstGeom prst="straightConnector1">
+            <a:avLst/>
+          </a:prstGeom>
+          <a:ln>
+            <a:tailEnd type="triangle"/>
+          </a:ln>
+        </p:spPr>
+        <p:style>
+          <a:lnRef idx="1">
+            <a:schemeClr val="accent1"/>
+          </a:lnRef>
+          <a:fillRef idx="0">
+            <a:schemeClr val="accent1"/>
+          </a:fillRef>
+          <a:effectRef idx="0">
+            <a:schemeClr val="accent1"/>
+          </a:effectRef>
+          <a:fontRef idx="minor">
+            <a:schemeClr val="tx1"/>
+          </a:fontRef>
+        </p:style>
+      </p:cxnSp>
+      <p:cxnSp>
+        <p:nvCxnSpPr>
+          <p:cNvPr id="51" name="Connettore 2 50">
+            <a:extLst>
+              <a:ext uri="{FF2B5EF4-FFF2-40B4-BE49-F238E27FC236}">
+                <a16:creationId xmlns:a16="http://schemas.microsoft.com/office/drawing/2014/main" id="{96BC0814-DCBC-A46A-B8D3-5B8FD0765000}"/>
+              </a:ext>
+            </a:extLst>
+          </p:cNvPr>
+          <p:cNvCxnSpPr>
+            <a:stCxn id="4" idx="6"/>
+            <a:endCxn id="12" idx="2"/>
+          </p:cNvCxnSpPr>
+          <p:nvPr/>
+        </p:nvCxnSpPr>
+        <p:spPr>
+          <a:xfrm>
+            <a:off x="5911969" y="2347862"/>
+            <a:ext cx="880928" cy="460338"/>
+          </a:xfrm>
+          <a:prstGeom prst="straightConnector1">
+            <a:avLst/>
+          </a:prstGeom>
+          <a:ln>
+            <a:tailEnd type="triangle"/>
+          </a:ln>
+        </p:spPr>
+        <p:style>
+          <a:lnRef idx="1">
+            <a:schemeClr val="accent1"/>
+          </a:lnRef>
+          <a:fillRef idx="0">
+            <a:schemeClr val="accent1"/>
+          </a:fillRef>
+          <a:effectRef idx="0">
+            <a:schemeClr val="accent1"/>
+          </a:effectRef>
+          <a:fontRef idx="minor">
+            <a:schemeClr val="tx1"/>
+          </a:fontRef>
+        </p:style>
+      </p:cxnSp>
+      <p:cxnSp>
+        <p:nvCxnSpPr>
+          <p:cNvPr id="53" name="Connettore 2 52">
+            <a:extLst>
+              <a:ext uri="{FF2B5EF4-FFF2-40B4-BE49-F238E27FC236}">
+                <a16:creationId xmlns:a16="http://schemas.microsoft.com/office/drawing/2014/main" id="{59B28E50-F3B2-4469-2E78-AF2FC2931AAA}"/>
+              </a:ext>
+            </a:extLst>
+          </p:cNvPr>
+          <p:cNvCxnSpPr>
+            <a:stCxn id="4" idx="6"/>
+            <a:endCxn id="13" idx="2"/>
+          </p:cNvCxnSpPr>
+          <p:nvPr/>
+        </p:nvCxnSpPr>
+        <p:spPr>
+          <a:xfrm>
+            <a:off x="5911969" y="2347862"/>
+            <a:ext cx="877689" cy="1372161"/>
+          </a:xfrm>
+          <a:prstGeom prst="straightConnector1">
+            <a:avLst/>
+          </a:prstGeom>
+          <a:ln>
+            <a:tailEnd type="triangle"/>
+          </a:ln>
+        </p:spPr>
+        <p:style>
+          <a:lnRef idx="1">
+            <a:schemeClr val="accent1"/>
+          </a:lnRef>
+          <a:fillRef idx="0">
+            <a:schemeClr val="accent1"/>
+          </a:fillRef>
+          <a:effectRef idx="0">
+            <a:schemeClr val="accent1"/>
+          </a:effectRef>
+          <a:fontRef idx="minor">
+            <a:schemeClr val="tx1"/>
+          </a:fontRef>
+        </p:style>
+      </p:cxnSp>
+      <p:cxnSp>
+        <p:nvCxnSpPr>
+          <p:cNvPr id="55" name="Connettore 2 54">
+            <a:extLst>
+              <a:ext uri="{FF2B5EF4-FFF2-40B4-BE49-F238E27FC236}">
+                <a16:creationId xmlns:a16="http://schemas.microsoft.com/office/drawing/2014/main" id="{58D2F3A9-C879-EC6A-09B0-2AA31EFF8AD2}"/>
+              </a:ext>
+            </a:extLst>
+          </p:cNvPr>
+          <p:cNvCxnSpPr>
+            <a:stCxn id="5" idx="6"/>
+            <a:endCxn id="12" idx="2"/>
+          </p:cNvCxnSpPr>
+          <p:nvPr/>
+        </p:nvCxnSpPr>
+        <p:spPr>
+          <a:xfrm flipV="1">
+            <a:off x="5911969" y="2808200"/>
+            <a:ext cx="880928" cy="412454"/>
+          </a:xfrm>
+          <a:prstGeom prst="straightConnector1">
+            <a:avLst/>
+          </a:prstGeom>
+          <a:ln>
+            <a:tailEnd type="triangle"/>
+          </a:ln>
+        </p:spPr>
+        <p:style>
+          <a:lnRef idx="1">
+            <a:schemeClr val="accent1"/>
+          </a:lnRef>
+          <a:fillRef idx="0">
+            <a:schemeClr val="accent1"/>
+          </a:fillRef>
+          <a:effectRef idx="0">
+            <a:schemeClr val="accent1"/>
+          </a:effectRef>
+          <a:fontRef idx="minor">
+            <a:schemeClr val="tx1"/>
+          </a:fontRef>
+        </p:style>
+      </p:cxnSp>
+      <p:cxnSp>
+        <p:nvCxnSpPr>
+          <p:cNvPr id="57" name="Connettore 2 56">
+            <a:extLst>
+              <a:ext uri="{FF2B5EF4-FFF2-40B4-BE49-F238E27FC236}">
+                <a16:creationId xmlns:a16="http://schemas.microsoft.com/office/drawing/2014/main" id="{1885B821-E4F0-2DEC-E5C9-4D5B4E5B8F24}"/>
+              </a:ext>
+            </a:extLst>
+          </p:cNvPr>
+          <p:cNvCxnSpPr>
+            <a:stCxn id="5" idx="6"/>
+            <a:endCxn id="13" idx="2"/>
+          </p:cNvCxnSpPr>
+          <p:nvPr/>
+        </p:nvCxnSpPr>
+        <p:spPr>
+          <a:xfrm>
+            <a:off x="5911969" y="3220654"/>
+            <a:ext cx="877689" cy="499369"/>
+          </a:xfrm>
+          <a:prstGeom prst="straightConnector1">
+            <a:avLst/>
+          </a:prstGeom>
+          <a:ln>
+            <a:tailEnd type="triangle"/>
+          </a:ln>
+        </p:spPr>
+        <p:style>
+          <a:lnRef idx="1">
+            <a:schemeClr val="accent1"/>
+          </a:lnRef>
+          <a:fillRef idx="0">
+            <a:schemeClr val="accent1"/>
+          </a:fillRef>
+          <a:effectRef idx="0">
+            <a:schemeClr val="accent1"/>
+          </a:effectRef>
+          <a:fontRef idx="minor">
+            <a:schemeClr val="tx1"/>
+          </a:fontRef>
+        </p:style>
+      </p:cxnSp>
+      <p:cxnSp>
+        <p:nvCxnSpPr>
+          <p:cNvPr id="59" name="Connettore 2 58">
+            <a:extLst>
+              <a:ext uri="{FF2B5EF4-FFF2-40B4-BE49-F238E27FC236}">
+                <a16:creationId xmlns:a16="http://schemas.microsoft.com/office/drawing/2014/main" id="{0D4738A4-BDE0-E6EA-137E-7C37C8210D45}"/>
+              </a:ext>
+            </a:extLst>
+          </p:cNvPr>
+          <p:cNvCxnSpPr>
+            <a:stCxn id="6" idx="6"/>
+            <a:endCxn id="13" idx="2"/>
+          </p:cNvCxnSpPr>
+          <p:nvPr/>
+        </p:nvCxnSpPr>
+        <p:spPr>
+          <a:xfrm flipV="1">
+            <a:off x="5911969" y="3720023"/>
+            <a:ext cx="877689" cy="373423"/>
+          </a:xfrm>
+          <a:prstGeom prst="straightConnector1">
+            <a:avLst/>
+          </a:prstGeom>
+          <a:ln>
+            <a:tailEnd type="triangle"/>
+          </a:ln>
+        </p:spPr>
+        <p:style>
+          <a:lnRef idx="1">
+            <a:schemeClr val="accent1"/>
+          </a:lnRef>
+          <a:fillRef idx="0">
+            <a:schemeClr val="accent1"/>
+          </a:fillRef>
+          <a:effectRef idx="0">
+            <a:schemeClr val="accent1"/>
+          </a:effectRef>
+          <a:fontRef idx="minor">
+            <a:schemeClr val="tx1"/>
+          </a:fontRef>
+        </p:style>
+      </p:cxnSp>
+      <p:cxnSp>
+        <p:nvCxnSpPr>
+          <p:cNvPr id="61" name="Connettore 2 60">
+            <a:extLst>
+              <a:ext uri="{FF2B5EF4-FFF2-40B4-BE49-F238E27FC236}">
+                <a16:creationId xmlns:a16="http://schemas.microsoft.com/office/drawing/2014/main" id="{F05147EA-BC2B-CA83-8138-16563AB8B0FC}"/>
+              </a:ext>
+            </a:extLst>
+          </p:cNvPr>
+          <p:cNvCxnSpPr>
+            <a:stCxn id="6" idx="6"/>
+            <a:endCxn id="12" idx="2"/>
+          </p:cNvCxnSpPr>
+          <p:nvPr/>
+        </p:nvCxnSpPr>
+        <p:spPr>
+          <a:xfrm flipV="1">
+            <a:off x="5911969" y="2808200"/>
+            <a:ext cx="880928" cy="1285246"/>
+          </a:xfrm>
+          <a:prstGeom prst="straightConnector1">
+            <a:avLst/>
+          </a:prstGeom>
+          <a:ln>
+            <a:tailEnd type="triangle"/>
+          </a:ln>
+        </p:spPr>
+        <p:style>
+          <a:lnRef idx="1">
+            <a:schemeClr val="accent1"/>
+          </a:lnRef>
+          <a:fillRef idx="0">
+            <a:schemeClr val="accent1"/>
+          </a:fillRef>
+          <a:effectRef idx="0">
+            <a:schemeClr val="accent1"/>
+          </a:effectRef>
+          <a:fontRef idx="minor">
+            <a:schemeClr val="tx1"/>
+          </a:fontRef>
+        </p:style>
+      </p:cxnSp>
+      <p:cxnSp>
+        <p:nvCxnSpPr>
+          <p:cNvPr id="63" name="Connettore 2 62">
+            <a:extLst>
+              <a:ext uri="{FF2B5EF4-FFF2-40B4-BE49-F238E27FC236}">
+                <a16:creationId xmlns:a16="http://schemas.microsoft.com/office/drawing/2014/main" id="{6F6B5377-77B5-CDEB-8BB7-704B1E2A98ED}"/>
+              </a:ext>
+            </a:extLst>
+          </p:cNvPr>
+          <p:cNvCxnSpPr>
+            <a:stCxn id="7" idx="6"/>
+            <a:endCxn id="12" idx="2"/>
+          </p:cNvCxnSpPr>
+          <p:nvPr/>
+        </p:nvCxnSpPr>
+        <p:spPr>
+          <a:xfrm flipV="1">
+            <a:off x="5911969" y="2808200"/>
+            <a:ext cx="880928" cy="2158038"/>
+          </a:xfrm>
+          <a:prstGeom prst="straightConnector1">
+            <a:avLst/>
+          </a:prstGeom>
+          <a:ln>
+            <a:tailEnd type="triangle"/>
+          </a:ln>
+        </p:spPr>
+        <p:style>
+          <a:lnRef idx="1">
+            <a:schemeClr val="accent1"/>
+          </a:lnRef>
+          <a:fillRef idx="0">
+            <a:schemeClr val="accent1"/>
+          </a:fillRef>
+          <a:effectRef idx="0">
+            <a:schemeClr val="accent1"/>
+          </a:effectRef>
+          <a:fontRef idx="minor">
+            <a:schemeClr val="tx1"/>
+          </a:fontRef>
+        </p:style>
+      </p:cxnSp>
+      <p:cxnSp>
+        <p:nvCxnSpPr>
+          <p:cNvPr id="65" name="Connettore 2 64">
+            <a:extLst>
+              <a:ext uri="{FF2B5EF4-FFF2-40B4-BE49-F238E27FC236}">
+                <a16:creationId xmlns:a16="http://schemas.microsoft.com/office/drawing/2014/main" id="{851B3980-2C52-07FD-16F9-D313CCDDB256}"/>
+              </a:ext>
+            </a:extLst>
+          </p:cNvPr>
+          <p:cNvCxnSpPr>
+            <a:stCxn id="7" idx="6"/>
+            <a:endCxn id="13" idx="2"/>
+          </p:cNvCxnSpPr>
+          <p:nvPr/>
+        </p:nvCxnSpPr>
+        <p:spPr>
+          <a:xfrm flipV="1">
+            <a:off x="5911969" y="3720023"/>
+            <a:ext cx="877689" cy="1246215"/>
+          </a:xfrm>
+          <a:prstGeom prst="straightConnector1">
+            <a:avLst/>
+          </a:prstGeom>
+          <a:ln>
+            <a:tailEnd type="triangle"/>
+          </a:ln>
+        </p:spPr>
+        <p:style>
+          <a:lnRef idx="1">
+            <a:schemeClr val="accent1"/>
+          </a:lnRef>
+          <a:fillRef idx="0">
+            <a:schemeClr val="accent1"/>
+          </a:fillRef>
+          <a:effectRef idx="0">
+            <a:schemeClr val="accent1"/>
+          </a:effectRef>
+          <a:fontRef idx="minor">
+            <a:schemeClr val="tx1"/>
+          </a:fontRef>
+        </p:style>
+      </p:cxnSp>
+      <p:cxnSp>
+        <p:nvCxnSpPr>
+          <p:cNvPr id="70" name="Connettore 2 69">
+            <a:extLst>
+              <a:ext uri="{FF2B5EF4-FFF2-40B4-BE49-F238E27FC236}">
+                <a16:creationId xmlns:a16="http://schemas.microsoft.com/office/drawing/2014/main" id="{F7FBC5C1-F1BA-2D3A-BFA0-4F8B5D1EFC7D}"/>
+              </a:ext>
+            </a:extLst>
+          </p:cNvPr>
+          <p:cNvCxnSpPr>
+            <a:endCxn id="9" idx="2"/>
+          </p:cNvCxnSpPr>
+          <p:nvPr/>
+        </p:nvCxnSpPr>
+        <p:spPr>
+          <a:xfrm>
+            <a:off x="3029325" y="2347862"/>
+            <a:ext cx="612000" cy="0"/>
+          </a:xfrm>
+          <a:prstGeom prst="straightConnector1">
+            <a:avLst/>
+          </a:prstGeom>
+          <a:ln>
+            <a:tailEnd type="triangle"/>
+          </a:ln>
+        </p:spPr>
+        <p:style>
+          <a:lnRef idx="2">
+            <a:schemeClr val="accent6"/>
+          </a:lnRef>
+          <a:fillRef idx="0">
+            <a:schemeClr val="accent6"/>
+          </a:fillRef>
+          <a:effectRef idx="1">
+            <a:schemeClr val="accent6"/>
+          </a:effectRef>
+          <a:fontRef idx="minor">
+            <a:schemeClr val="tx1"/>
+          </a:fontRef>
+        </p:style>
+      </p:cxnSp>
+      <p:cxnSp>
+        <p:nvCxnSpPr>
+          <p:cNvPr id="73" name="Connettore 2 72">
+            <a:extLst>
+              <a:ext uri="{FF2B5EF4-FFF2-40B4-BE49-F238E27FC236}">
+                <a16:creationId xmlns:a16="http://schemas.microsoft.com/office/drawing/2014/main" id="{37C49CDB-B6D0-DCD8-3ADD-ABA1B7B113D1}"/>
+              </a:ext>
+            </a:extLst>
+          </p:cNvPr>
+          <p:cNvCxnSpPr/>
+          <p:nvPr/>
+        </p:nvCxnSpPr>
+        <p:spPr>
+          <a:xfrm>
+            <a:off x="3037003" y="3220654"/>
+            <a:ext cx="612000" cy="0"/>
+          </a:xfrm>
+          <a:prstGeom prst="straightConnector1">
+            <a:avLst/>
+          </a:prstGeom>
+          <a:ln>
+            <a:tailEnd type="triangle"/>
+          </a:ln>
+        </p:spPr>
+        <p:style>
+          <a:lnRef idx="2">
+            <a:schemeClr val="accent6"/>
+          </a:lnRef>
+          <a:fillRef idx="0">
+            <a:schemeClr val="accent6"/>
+          </a:fillRef>
+          <a:effectRef idx="1">
+            <a:schemeClr val="accent6"/>
+          </a:effectRef>
+          <a:fontRef idx="minor">
+            <a:schemeClr val="tx1"/>
+          </a:fontRef>
+        </p:style>
+      </p:cxnSp>
+      <p:cxnSp>
+        <p:nvCxnSpPr>
+          <p:cNvPr id="74" name="Connettore 2 73">
+            <a:extLst>
+              <a:ext uri="{FF2B5EF4-FFF2-40B4-BE49-F238E27FC236}">
+                <a16:creationId xmlns:a16="http://schemas.microsoft.com/office/drawing/2014/main" id="{596D9D8C-5AEA-0E43-B0A2-49EF7BA03549}"/>
+              </a:ext>
+            </a:extLst>
+          </p:cNvPr>
+          <p:cNvCxnSpPr/>
+          <p:nvPr/>
+        </p:nvCxnSpPr>
+        <p:spPr>
+          <a:xfrm>
+            <a:off x="3037003" y="4101863"/>
+            <a:ext cx="612000" cy="0"/>
+          </a:xfrm>
+          <a:prstGeom prst="straightConnector1">
+            <a:avLst/>
+          </a:prstGeom>
+          <a:ln>
+            <a:tailEnd type="triangle"/>
+          </a:ln>
+        </p:spPr>
+        <p:style>
+          <a:lnRef idx="2">
+            <a:schemeClr val="accent6"/>
+          </a:lnRef>
+          <a:fillRef idx="0">
+            <a:schemeClr val="accent6"/>
+          </a:fillRef>
+          <a:effectRef idx="1">
+            <a:schemeClr val="accent6"/>
+          </a:effectRef>
+          <a:fontRef idx="minor">
+            <a:schemeClr val="tx1"/>
+          </a:fontRef>
+        </p:style>
+      </p:cxnSp>
+      <p:cxnSp>
+        <p:nvCxnSpPr>
+          <p:cNvPr id="75" name="Connettore 2 74">
+            <a:extLst>
+              <a:ext uri="{FF2B5EF4-FFF2-40B4-BE49-F238E27FC236}">
+                <a16:creationId xmlns:a16="http://schemas.microsoft.com/office/drawing/2014/main" id="{E7887CA5-725C-7D9D-3089-3641E387D4B5}"/>
+              </a:ext>
+            </a:extLst>
+          </p:cNvPr>
+          <p:cNvCxnSpPr/>
+          <p:nvPr/>
+        </p:nvCxnSpPr>
+        <p:spPr>
+          <a:xfrm>
+            <a:off x="7401658" y="2795082"/>
+            <a:ext cx="612000" cy="0"/>
+          </a:xfrm>
+          <a:prstGeom prst="straightConnector1">
+            <a:avLst/>
+          </a:prstGeom>
+          <a:ln>
+            <a:tailEnd type="triangle"/>
+          </a:ln>
+        </p:spPr>
+        <p:style>
+          <a:lnRef idx="2">
+            <a:schemeClr val="accent2"/>
+          </a:lnRef>
+          <a:fillRef idx="0">
+            <a:schemeClr val="accent2"/>
+          </a:fillRef>
+          <a:effectRef idx="1">
+            <a:schemeClr val="accent2"/>
+          </a:effectRef>
+          <a:fontRef idx="minor">
+            <a:schemeClr val="tx1"/>
+          </a:fontRef>
+        </p:style>
+      </p:cxnSp>
+      <p:cxnSp>
+        <p:nvCxnSpPr>
+          <p:cNvPr id="76" name="Connettore 2 75">
+            <a:extLst>
+              <a:ext uri="{FF2B5EF4-FFF2-40B4-BE49-F238E27FC236}">
+                <a16:creationId xmlns:a16="http://schemas.microsoft.com/office/drawing/2014/main" id="{E0BEA2E7-A0DE-A54E-294C-C05FF0DB8A1F}"/>
+              </a:ext>
+            </a:extLst>
+          </p:cNvPr>
+          <p:cNvCxnSpPr/>
+          <p:nvPr/>
+        </p:nvCxnSpPr>
+        <p:spPr>
+          <a:xfrm>
+            <a:off x="7401658" y="3720023"/>
+            <a:ext cx="612000" cy="0"/>
+          </a:xfrm>
+          <a:prstGeom prst="straightConnector1">
+            <a:avLst/>
+          </a:prstGeom>
+          <a:ln>
+            <a:tailEnd type="triangle"/>
+          </a:ln>
+        </p:spPr>
+        <p:style>
+          <a:lnRef idx="2">
+            <a:schemeClr val="accent2"/>
+          </a:lnRef>
+          <a:fillRef idx="0">
+            <a:schemeClr val="accent2"/>
+          </a:fillRef>
+          <a:effectRef idx="1">
+            <a:schemeClr val="accent2"/>
+          </a:effectRef>
+          <a:fontRef idx="minor">
+            <a:schemeClr val="tx1"/>
+          </a:fontRef>
+        </p:style>
+      </p:cxnSp>
+      <p:sp>
+        <p:nvSpPr>
+          <p:cNvPr id="78" name="CasellaDiTesto 77">
+            <a:extLst>
+              <a:ext uri="{FF2B5EF4-FFF2-40B4-BE49-F238E27FC236}">
+                <a16:creationId xmlns:a16="http://schemas.microsoft.com/office/drawing/2014/main" id="{1B3E82B8-EACB-367E-01E8-A3EDF7EB09CB}"/>
+              </a:ext>
+            </a:extLst>
+          </p:cNvPr>
+          <p:cNvSpPr txBox="1"/>
+          <p:nvPr/>
+        </p:nvSpPr>
+        <p:spPr>
+          <a:xfrm rot="16200000">
+            <a:off x="2047143" y="3035988"/>
+            <a:ext cx="933076" cy="369332"/>
+          </a:xfrm>
+          <a:prstGeom prst="rect">
+            <a:avLst/>
+          </a:prstGeom>
+          <a:noFill/>
+        </p:spPr>
+        <p:txBody>
+          <a:bodyPr wrap="square" rtlCol="0">
+            <a:spAutoFit/>
+          </a:bodyPr>
+          <a:lstStyle/>
+          <a:p>
+            <a:pPr algn="ctr"/>
+            <a:r>
+              <a:rPr lang="it-IT" b="1" dirty="0">
+                <a:latin typeface="Abadi" panose="020B0604020104020204" pitchFamily="34" charset="0"/>
+              </a:rPr>
+              <a:t>Inputs</a:t>
+            </a:r>
+          </a:p>
+        </p:txBody>
+      </p:sp>
+      <p:sp>
+        <p:nvSpPr>
+          <p:cNvPr id="79" name="CasellaDiTesto 78">
+            <a:extLst>
+              <a:ext uri="{FF2B5EF4-FFF2-40B4-BE49-F238E27FC236}">
+                <a16:creationId xmlns:a16="http://schemas.microsoft.com/office/drawing/2014/main" id="{450FD091-DA98-B9BB-7E8E-9CFB057CED53}"/>
+              </a:ext>
+            </a:extLst>
+          </p:cNvPr>
+          <p:cNvSpPr txBox="1"/>
+          <p:nvPr/>
+        </p:nvSpPr>
+        <p:spPr>
+          <a:xfrm rot="16200000">
+            <a:off x="8066085" y="3025530"/>
+            <a:ext cx="1112668" cy="369332"/>
+          </a:xfrm>
+          <a:prstGeom prst="rect">
+            <a:avLst/>
+          </a:prstGeom>
+          <a:noFill/>
+        </p:spPr>
+        <p:txBody>
+          <a:bodyPr wrap="square" rtlCol="0">
+            <a:spAutoFit/>
+          </a:bodyPr>
+          <a:lstStyle/>
+          <a:p>
+            <a:pPr algn="ctr"/>
+            <a:r>
+              <a:rPr lang="it-IT" b="1" dirty="0">
+                <a:latin typeface="Abadi" panose="020B0604020104020204" pitchFamily="34" charset="0"/>
+              </a:rPr>
+              <a:t>Outputs</a:t>
+            </a:r>
+          </a:p>
+        </p:txBody>
+      </p:sp>
+      <p:sp>
+        <p:nvSpPr>
+          <p:cNvPr id="2" name="CasellaDiTesto 1">
+            <a:extLst>
+              <a:ext uri="{FF2B5EF4-FFF2-40B4-BE49-F238E27FC236}">
+                <a16:creationId xmlns:a16="http://schemas.microsoft.com/office/drawing/2014/main" id="{0D341333-E188-631E-4D52-F3B149F70EB0}"/>
+              </a:ext>
+            </a:extLst>
+          </p:cNvPr>
+          <p:cNvSpPr txBox="1"/>
+          <p:nvPr/>
+        </p:nvSpPr>
+        <p:spPr>
+          <a:xfrm rot="5400000">
+            <a:off x="3842214" y="3484040"/>
+            <a:ext cx="343364" cy="369332"/>
+          </a:xfrm>
+          <a:prstGeom prst="rect">
+            <a:avLst/>
+          </a:prstGeom>
+          <a:noFill/>
+        </p:spPr>
+        <p:txBody>
+          <a:bodyPr wrap="none" rtlCol="0" anchor="ctr">
+            <a:spAutoFit/>
+          </a:bodyPr>
+          <a:lstStyle/>
+          <a:p>
+            <a:r>
+              <a:rPr lang="it-IT" dirty="0"/>
+              <a:t>…</a:t>
+            </a:r>
+          </a:p>
+        </p:txBody>
+      </p:sp>
+      <p:sp>
+        <p:nvSpPr>
+          <p:cNvPr id="3" name="CasellaDiTesto 2">
+            <a:extLst>
+              <a:ext uri="{FF2B5EF4-FFF2-40B4-BE49-F238E27FC236}">
+                <a16:creationId xmlns:a16="http://schemas.microsoft.com/office/drawing/2014/main" id="{E1724B48-497B-A937-0A9A-83B21E0ADC57}"/>
+              </a:ext>
+            </a:extLst>
+          </p:cNvPr>
+          <p:cNvSpPr txBox="1"/>
+          <p:nvPr/>
+        </p:nvSpPr>
+        <p:spPr>
+          <a:xfrm rot="5400000">
+            <a:off x="5451955" y="4345176"/>
+            <a:ext cx="343364" cy="369332"/>
+          </a:xfrm>
+          <a:prstGeom prst="rect">
+            <a:avLst/>
+          </a:prstGeom>
+          <a:noFill/>
+        </p:spPr>
+        <p:txBody>
+          <a:bodyPr wrap="none" rtlCol="0" anchor="ctr">
+            <a:spAutoFit/>
+          </a:bodyPr>
+          <a:lstStyle/>
+          <a:p>
+            <a:r>
+              <a:rPr lang="it-IT" dirty="0"/>
+              <a:t>…</a:t>
+            </a:r>
+          </a:p>
+        </p:txBody>
+      </p:sp>
+      <p:sp>
+        <p:nvSpPr>
+          <p:cNvPr id="14" name="CasellaDiTesto 13">
+            <a:extLst>
+              <a:ext uri="{FF2B5EF4-FFF2-40B4-BE49-F238E27FC236}">
+                <a16:creationId xmlns:a16="http://schemas.microsoft.com/office/drawing/2014/main" id="{4FDCAE7D-7EDE-990D-5674-F9BBB8F5D75C}"/>
+              </a:ext>
+            </a:extLst>
+          </p:cNvPr>
+          <p:cNvSpPr txBox="1"/>
+          <p:nvPr/>
+        </p:nvSpPr>
+        <p:spPr>
+          <a:xfrm rot="5400000">
+            <a:off x="6949738" y="3079446"/>
+            <a:ext cx="343364" cy="369332"/>
+          </a:xfrm>
+          <a:prstGeom prst="rect">
+            <a:avLst/>
+          </a:prstGeom>
+          <a:noFill/>
+        </p:spPr>
+        <p:txBody>
+          <a:bodyPr wrap="none" rtlCol="0" anchor="ctr">
+            <a:spAutoFit/>
+          </a:bodyPr>
+          <a:lstStyle/>
+          <a:p>
+            <a:r>
+              <a:rPr lang="it-IT" dirty="0"/>
+              <a:t>…</a:t>
+            </a:r>
+          </a:p>
+        </p:txBody>
+      </p:sp>
+    </p:spTree>
+    <p:extLst>
+      <p:ext uri="{BB962C8B-B14F-4D97-AF65-F5344CB8AC3E}">
+        <p14:creationId xmlns:p14="http://schemas.microsoft.com/office/powerpoint/2010/main" val="2904199186"/>
+      </p:ext>
+    </p:extLst>
+  </p:cSld>
+  <p:clrMapOvr>
+    <a:masterClrMapping/>
+  </p:clrMapOvr>
+</p:sld>
+</file>
+
+<file path=ppt/slides/slide3.xml><?xml version="1.0" encoding="utf-8"?>
+<p:sld xmlns:a="http://schemas.openxmlformats.org/drawingml/2006/main" xmlns:r="http://schemas.openxmlformats.org/officeDocument/2006/relationships" xmlns:p="http://schemas.openxmlformats.org/presentationml/2006/main">
+  <p:cSld>
+    <p:spTree>
+      <p:nvGrpSpPr>
+        <p:cNvPr id="1" name=""/>
+        <p:cNvGrpSpPr/>
+        <p:nvPr/>
+      </p:nvGrpSpPr>
+      <p:grpSpPr>
+        <a:xfrm>
+          <a:off x="0" y="0"/>
+          <a:ext cx="0" cy="0"/>
+          <a:chOff x="0" y="0"/>
+          <a:chExt cx="0" cy="0"/>
+        </a:xfrm>
+      </p:grpSpPr>
+      <p:sp>
+        <p:nvSpPr>
+          <p:cNvPr id="4" name="Ovale 3">
+            <a:extLst>
+              <a:ext uri="{FF2B5EF4-FFF2-40B4-BE49-F238E27FC236}">
+                <a16:creationId xmlns:a16="http://schemas.microsoft.com/office/drawing/2014/main" id="{A696026C-E7F6-3EBD-8D84-05A41B4537C6}"/>
+              </a:ext>
+            </a:extLst>
+          </p:cNvPr>
+          <p:cNvSpPr/>
+          <p:nvPr/>
+        </p:nvSpPr>
+        <p:spPr>
+          <a:xfrm>
+            <a:off x="5484000" y="3123000"/>
+            <a:ext cx="612000" cy="612000"/>
+          </a:xfrm>
+          <a:prstGeom prst="ellipse">
+            <a:avLst/>
+          </a:prstGeom>
+        </p:spPr>
+        <p:style>
+          <a:lnRef idx="1">
+            <a:schemeClr val="accent1"/>
+          </a:lnRef>
+          <a:fillRef idx="2">
+            <a:schemeClr val="accent1"/>
+          </a:fillRef>
+          <a:effectRef idx="1">
+            <a:schemeClr val="accent1"/>
+          </a:effectRef>
+          <a:fontRef idx="minor">
+            <a:schemeClr val="dk1"/>
+          </a:fontRef>
+        </p:style>
+        <p:txBody>
+          <a:bodyPr rtlCol="0" anchor="ctr"/>
+          <a:lstStyle/>
+          <a:p>
+            <a:pPr algn="ctr"/>
+            <a:endParaRPr lang="it-IT"/>
+          </a:p>
+        </p:txBody>
+      </p:sp>
+      <p:cxnSp>
+        <p:nvCxnSpPr>
+          <p:cNvPr id="6" name="Connettore 2 5">
+            <a:extLst>
+              <a:ext uri="{FF2B5EF4-FFF2-40B4-BE49-F238E27FC236}">
+                <a16:creationId xmlns:a16="http://schemas.microsoft.com/office/drawing/2014/main" id="{E48FE948-9537-85CC-A330-A2AC7F4146D9}"/>
+              </a:ext>
+            </a:extLst>
+          </p:cNvPr>
+          <p:cNvCxnSpPr>
+            <a:endCxn id="4" idx="1"/>
+          </p:cNvCxnSpPr>
+          <p:nvPr/>
+        </p:nvCxnSpPr>
+        <p:spPr>
+          <a:xfrm>
+            <a:off x="4660777" y="2769833"/>
+            <a:ext cx="912848" cy="442792"/>
+          </a:xfrm>
+          <a:prstGeom prst="straightConnector1">
+            <a:avLst/>
+          </a:prstGeom>
+          <a:ln>
+            <a:tailEnd type="triangle"/>
+          </a:ln>
+        </p:spPr>
+        <p:style>
+          <a:lnRef idx="1">
+            <a:schemeClr val="accent1"/>
+          </a:lnRef>
+          <a:fillRef idx="0">
+            <a:schemeClr val="accent1"/>
+          </a:fillRef>
+          <a:effectRef idx="0">
+            <a:schemeClr val="accent1"/>
+          </a:effectRef>
+          <a:fontRef idx="minor">
+            <a:schemeClr val="tx1"/>
+          </a:fontRef>
+        </p:style>
+      </p:cxnSp>
+      <p:cxnSp>
+        <p:nvCxnSpPr>
+          <p:cNvPr id="7" name="Connettore 2 6">
+            <a:extLst>
+              <a:ext uri="{FF2B5EF4-FFF2-40B4-BE49-F238E27FC236}">
+                <a16:creationId xmlns:a16="http://schemas.microsoft.com/office/drawing/2014/main" id="{A6DA128C-98AA-C17B-12AC-6D703A0FB91D}"/>
+              </a:ext>
+            </a:extLst>
+          </p:cNvPr>
+          <p:cNvCxnSpPr>
+            <a:cxnSpLocks/>
+            <a:endCxn id="4" idx="2"/>
+          </p:cNvCxnSpPr>
+          <p:nvPr/>
+        </p:nvCxnSpPr>
+        <p:spPr>
+          <a:xfrm>
+            <a:off x="4580878" y="3429000"/>
+            <a:ext cx="903122" cy="0"/>
+          </a:xfrm>
+          <a:prstGeom prst="straightConnector1">
+            <a:avLst/>
+          </a:prstGeom>
+          <a:ln>
+            <a:tailEnd type="triangle"/>
+          </a:ln>
+        </p:spPr>
+        <p:style>
+          <a:lnRef idx="1">
+            <a:schemeClr val="accent1"/>
+          </a:lnRef>
+          <a:fillRef idx="0">
+            <a:schemeClr val="accent1"/>
+          </a:fillRef>
+          <a:effectRef idx="0">
+            <a:schemeClr val="accent1"/>
+          </a:effectRef>
+          <a:fontRef idx="minor">
+            <a:schemeClr val="tx1"/>
+          </a:fontRef>
+        </p:style>
+      </p:cxnSp>
+      <p:cxnSp>
+        <p:nvCxnSpPr>
+          <p:cNvPr id="11" name="Connettore 2 10">
+            <a:extLst>
+              <a:ext uri="{FF2B5EF4-FFF2-40B4-BE49-F238E27FC236}">
+                <a16:creationId xmlns:a16="http://schemas.microsoft.com/office/drawing/2014/main" id="{799F0B4A-E391-FC64-F8C5-B3A216D57F17}"/>
+              </a:ext>
+            </a:extLst>
+          </p:cNvPr>
+          <p:cNvCxnSpPr>
+            <a:cxnSpLocks/>
+            <a:endCxn id="4" idx="3"/>
+          </p:cNvCxnSpPr>
+          <p:nvPr/>
+        </p:nvCxnSpPr>
+        <p:spPr>
+          <a:xfrm flipV="1">
+            <a:off x="4660777" y="3645375"/>
+            <a:ext cx="912848" cy="509375"/>
+          </a:xfrm>
+          <a:prstGeom prst="straightConnector1">
+            <a:avLst/>
+          </a:prstGeom>
+          <a:ln>
+            <a:tailEnd type="triangle"/>
+          </a:ln>
+        </p:spPr>
+        <p:style>
+          <a:lnRef idx="1">
+            <a:schemeClr val="accent1"/>
+          </a:lnRef>
+          <a:fillRef idx="0">
+            <a:schemeClr val="accent1"/>
+          </a:fillRef>
+          <a:effectRef idx="0">
+            <a:schemeClr val="accent1"/>
+          </a:effectRef>
+          <a:fontRef idx="minor">
+            <a:schemeClr val="tx1"/>
+          </a:fontRef>
+        </p:style>
+      </p:cxnSp>
+    </p:spTree>
+    <p:extLst>
+      <p:ext uri="{BB962C8B-B14F-4D97-AF65-F5344CB8AC3E}">
+        <p14:creationId xmlns:p14="http://schemas.microsoft.com/office/powerpoint/2010/main" val="500395180"/>
+      </p:ext>
+    </p:extLst>
+  </p:cSld>
+  <p:clrMapOvr>
+    <a:masterClrMapping/>
+  </p:clrMapOvr>
+</p:sld>
+</file>
+
+<file path=ppt/slides/slide4.xml><?xml version="1.0" encoding="utf-8"?>
+<p:sld xmlns:a="http://schemas.openxmlformats.org/drawingml/2006/main" xmlns:r="http://schemas.openxmlformats.org/officeDocument/2006/relationships" xmlns:p="http://schemas.openxmlformats.org/presentationml/2006/main">
+  <p:cSld>
+    <p:spTree>
+      <p:nvGrpSpPr>
+        <p:cNvPr id="1" name=""/>
+        <p:cNvGrpSpPr/>
+        <p:nvPr/>
+      </p:nvGrpSpPr>
+      <p:grpSpPr>
+        <a:xfrm>
+          <a:off x="0" y="0"/>
+          <a:ext cx="0" cy="0"/>
+          <a:chOff x="0" y="0"/>
+          <a:chExt cx="0" cy="0"/>
+        </a:xfrm>
+      </p:grpSpPr>
+      <p:sp>
+        <p:nvSpPr>
+          <p:cNvPr id="4" name="Ovale 3">
+            <a:extLst>
+              <a:ext uri="{FF2B5EF4-FFF2-40B4-BE49-F238E27FC236}">
+                <a16:creationId xmlns:a16="http://schemas.microsoft.com/office/drawing/2014/main" id="{BFEEB273-B8C6-A0F4-DAC6-F6ECE613B52E}"/>
+              </a:ext>
+            </a:extLst>
+          </p:cNvPr>
+          <p:cNvSpPr/>
+          <p:nvPr/>
+        </p:nvSpPr>
+        <p:spPr>
+          <a:xfrm>
+            <a:off x="5299969" y="2041862"/>
+            <a:ext cx="612000" cy="612000"/>
+          </a:xfrm>
+          <a:prstGeom prst="ellipse">
+            <a:avLst/>
+          </a:prstGeom>
+        </p:spPr>
+        <p:style>
+          <a:lnRef idx="1">
+            <a:schemeClr val="accent1"/>
+          </a:lnRef>
+          <a:fillRef idx="2">
+            <a:schemeClr val="accent1"/>
+          </a:fillRef>
+          <a:effectRef idx="1">
+            <a:schemeClr val="accent1"/>
+          </a:effectRef>
+          <a:fontRef idx="minor">
+            <a:schemeClr val="dk1"/>
+          </a:fontRef>
+        </p:style>
+        <p:txBody>
+          <a:bodyPr rtlCol="0" anchor="ctr"/>
+          <a:lstStyle/>
+          <a:p>
+            <a:pPr algn="ctr"/>
+            <a:endParaRPr lang="it-IT"/>
+          </a:p>
+        </p:txBody>
+      </p:sp>
+      <p:sp>
+        <p:nvSpPr>
+          <p:cNvPr id="5" name="Ovale 4">
+            <a:extLst>
+              <a:ext uri="{FF2B5EF4-FFF2-40B4-BE49-F238E27FC236}">
+                <a16:creationId xmlns:a16="http://schemas.microsoft.com/office/drawing/2014/main" id="{80E590AA-2BBD-74CE-8A1F-54C7D1AE48A8}"/>
+              </a:ext>
+            </a:extLst>
+          </p:cNvPr>
+          <p:cNvSpPr/>
+          <p:nvPr/>
+        </p:nvSpPr>
+        <p:spPr>
+          <a:xfrm>
+            <a:off x="5299969" y="3080088"/>
+            <a:ext cx="612000" cy="612000"/>
+          </a:xfrm>
+          <a:prstGeom prst="ellipse">
+            <a:avLst/>
+          </a:prstGeom>
+        </p:spPr>
+        <p:style>
+          <a:lnRef idx="1">
+            <a:schemeClr val="accent1"/>
+          </a:lnRef>
+          <a:fillRef idx="2">
+            <a:schemeClr val="accent1"/>
+          </a:fillRef>
+          <a:effectRef idx="1">
+            <a:schemeClr val="accent1"/>
+          </a:effectRef>
+          <a:fontRef idx="minor">
+            <a:schemeClr val="dk1"/>
+          </a:fontRef>
+        </p:style>
+        <p:txBody>
+          <a:bodyPr rtlCol="0" anchor="ctr"/>
+          <a:lstStyle/>
+          <a:p>
+            <a:pPr algn="ctr"/>
+            <a:endParaRPr lang="it-IT"/>
+          </a:p>
+        </p:txBody>
+      </p:sp>
+      <p:sp>
+        <p:nvSpPr>
+          <p:cNvPr id="8" name="Ovale 7">
+            <a:extLst>
+              <a:ext uri="{FF2B5EF4-FFF2-40B4-BE49-F238E27FC236}">
+                <a16:creationId xmlns:a16="http://schemas.microsoft.com/office/drawing/2014/main" id="{C756B996-E2D6-7D90-D837-A8FA2882FD2D}"/>
+              </a:ext>
+            </a:extLst>
+          </p:cNvPr>
+          <p:cNvSpPr/>
+          <p:nvPr/>
+        </p:nvSpPr>
+        <p:spPr>
+          <a:xfrm>
+            <a:off x="5299969" y="1266724"/>
+            <a:ext cx="612000" cy="612000"/>
+          </a:xfrm>
+          <a:prstGeom prst="ellipse">
+            <a:avLst/>
+          </a:prstGeom>
+        </p:spPr>
+        <p:style>
+          <a:lnRef idx="1">
+            <a:schemeClr val="accent1"/>
+          </a:lnRef>
+          <a:fillRef idx="2">
+            <a:schemeClr val="accent1"/>
+          </a:fillRef>
+          <a:effectRef idx="1">
+            <a:schemeClr val="accent1"/>
+          </a:effectRef>
+          <a:fontRef idx="minor">
+            <a:schemeClr val="dk1"/>
+          </a:fontRef>
+        </p:style>
+        <p:txBody>
+          <a:bodyPr rtlCol="0" anchor="ctr"/>
+          <a:lstStyle/>
+          <a:p>
+            <a:pPr algn="ctr"/>
+            <a:endParaRPr lang="it-IT"/>
+          </a:p>
+        </p:txBody>
+      </p:sp>
+      <p:sp>
+        <p:nvSpPr>
+          <p:cNvPr id="49" name="CasellaDiTesto 48">
+            <a:extLst>
+              <a:ext uri="{FF2B5EF4-FFF2-40B4-BE49-F238E27FC236}">
+                <a16:creationId xmlns:a16="http://schemas.microsoft.com/office/drawing/2014/main" id="{A8DB3C10-44FF-7A3A-F16D-011215B391F1}"/>
+              </a:ext>
+            </a:extLst>
+          </p:cNvPr>
+          <p:cNvSpPr txBox="1"/>
+          <p:nvPr/>
+        </p:nvSpPr>
+        <p:spPr>
+          <a:xfrm rot="5400000">
+            <a:off x="5555621" y="2703765"/>
+            <a:ext cx="343364" cy="369332"/>
+          </a:xfrm>
+          <a:prstGeom prst="rect">
+            <a:avLst/>
+          </a:prstGeom>
+          <a:noFill/>
+        </p:spPr>
+        <p:txBody>
+          <a:bodyPr wrap="none" rtlCol="0" anchor="ctr">
+            <a:spAutoFit/>
+          </a:bodyPr>
+          <a:lstStyle/>
+          <a:p>
+            <a:r>
+              <a:rPr lang="it-IT" dirty="0"/>
+              <a:t>…</a:t>
+            </a:r>
+          </a:p>
+        </p:txBody>
+      </p:sp>
+    </p:spTree>
+    <p:extLst>
+      <p:ext uri="{BB962C8B-B14F-4D97-AF65-F5344CB8AC3E}">
+        <p14:creationId xmlns:p14="http://schemas.microsoft.com/office/powerpoint/2010/main" val="3795988385"/>
+      </p:ext>
+    </p:extLst>
+  </p:cSld>
+  <p:clrMapOvr>
+    <a:masterClrMapping/>
+  </p:clrMapOvr>
+</p:sld>
+</file>
+
+<file path=ppt/slides/slide5.xml><?xml version="1.0" encoding="utf-8"?>
+<p:sld xmlns:a="http://schemas.openxmlformats.org/drawingml/2006/main" xmlns:r="http://schemas.openxmlformats.org/officeDocument/2006/relationships" xmlns:p="http://schemas.openxmlformats.org/presentationml/2006/main">
+  <p:cSld>
+    <p:spTree>
+      <p:nvGrpSpPr>
+        <p:cNvPr id="1" name=""/>
+        <p:cNvGrpSpPr/>
+        <p:nvPr/>
+      </p:nvGrpSpPr>
+      <p:grpSpPr>
+        <a:xfrm>
+          <a:off x="0" y="0"/>
+          <a:ext cx="0" cy="0"/>
+          <a:chOff x="0" y="0"/>
+          <a:chExt cx="0" cy="0"/>
+        </a:xfrm>
+      </p:grpSpPr>
+      <p:sp>
+        <p:nvSpPr>
+          <p:cNvPr id="2" name="Titolo 1">
+            <a:extLst>
+              <a:ext uri="{FF2B5EF4-FFF2-40B4-BE49-F238E27FC236}">
+                <a16:creationId xmlns:a16="http://schemas.microsoft.com/office/drawing/2014/main" id="{A70826D1-AA17-C107-579F-F0028D79583A}"/>
+              </a:ext>
+            </a:extLst>
+          </p:cNvPr>
+          <p:cNvSpPr>
+            <a:spLocks noGrp="1"/>
+          </p:cNvSpPr>
+          <p:nvPr>
+            <p:ph type="title"/>
+          </p:nvPr>
+        </p:nvSpPr>
+        <p:spPr/>
+        <p:txBody>
+          <a:bodyPr/>
+          <a:lstStyle/>
+          <a:p>
+            <a:endParaRPr lang="it-IT"/>
+          </a:p>
+        </p:txBody>
+      </p:sp>
+      <p:pic>
+        <p:nvPicPr>
+          <p:cNvPr id="5" name="Immagine 4" descr="Immagine che contiene testo, schermata, Carattere, grafica&#10;&#10;Descrizione generata automaticamente">
+            <a:extLst>
+              <a:ext uri="{FF2B5EF4-FFF2-40B4-BE49-F238E27FC236}">
+                <a16:creationId xmlns:a16="http://schemas.microsoft.com/office/drawing/2014/main" id="{CB5BBA5A-EE92-A268-7F36-E396D26356AD}"/>
+              </a:ext>
+            </a:extLst>
+          </p:cNvPr>
+          <p:cNvPicPr>
+            <a:picLocks noChangeAspect="1"/>
+          </p:cNvPicPr>
+          <p:nvPr/>
+        </p:nvPicPr>
+        <p:blipFill rotWithShape="1">
+          <a:blip r:embed="rId2">
+            <a:extLst>
+              <a:ext uri="{28A0092B-C50C-407E-A947-70E740481C1C}">
+                <a14:useLocalDpi xmlns:a14="http://schemas.microsoft.com/office/drawing/2010/main" val="0"/>
+              </a:ext>
+            </a:extLst>
+          </a:blip>
+          <a:srcRect l="80579" r="1193"/>
+          <a:stretch/>
+        </p:blipFill>
+        <p:spPr>
+          <a:xfrm>
+            <a:off x="6600825" y="2065564"/>
+            <a:ext cx="1019176" cy="4792436"/>
+          </a:xfrm>
+          <a:prstGeom prst="rect">
+            <a:avLst/>
+          </a:prstGeom>
+        </p:spPr>
+      </p:pic>
+    </p:spTree>
+    <p:extLst>
+      <p:ext uri="{BB962C8B-B14F-4D97-AF65-F5344CB8AC3E}">
+        <p14:creationId xmlns:p14="http://schemas.microsoft.com/office/powerpoint/2010/main" val="1314235042"/>
       </p:ext>
     </p:extLst>
   </p:cSld>
